--- a/RIAA-JeremySchroeder.pptx
+++ b/RIAA-JeremySchroeder.pptx
@@ -109,6 +109,11 @@
       </a:defRPr>
     </a:lvl9pPr>
   </p:defaultTextStyle>
+  <p:extLst>
+    <p:ext uri="{EFAFB233-063F-42B5-8137-9DF3F51BA10A}">
+      <p15:sldGuideLst xmlns:p15="http://schemas.microsoft.com/office/powerpoint/2012/main"/>
+    </p:ext>
+  </p:extLst>
 </p:presentation>
 </file>
 
@@ -1180,7 +1185,7 @@
           <a:p>
             <a:fld id="{3EA7106B-054C-477A-914A-8ED82C501971}" type="datetimeFigureOut">
               <a:rPr lang="en-US" smtClean="0"/>
-              <a:t>1/11/2026</a:t>
+              <a:t>1/12/2026</a:t>
             </a:fld>
             <a:endParaRPr lang="en-US"/>
           </a:p>
@@ -1894,7 +1899,7 @@
           <a:p>
             <a:fld id="{CDA1AACE-6781-4857-9368-73E9AA196DB5}" type="datetimeFigureOut">
               <a:rPr lang="en-US" smtClean="0"/>
-              <a:t>1/11/2026</a:t>
+              <a:t>1/12/2026</a:t>
             </a:fld>
             <a:endParaRPr lang="en-US"/>
           </a:p>
@@ -2092,7 +2097,7 @@
           <a:p>
             <a:fld id="{CDA1AACE-6781-4857-9368-73E9AA196DB5}" type="datetimeFigureOut">
               <a:rPr lang="en-US" smtClean="0"/>
-              <a:t>1/11/2026</a:t>
+              <a:t>1/12/2026</a:t>
             </a:fld>
             <a:endParaRPr lang="en-US"/>
           </a:p>
@@ -2300,7 +2305,7 @@
           <a:p>
             <a:fld id="{CDA1AACE-6781-4857-9368-73E9AA196DB5}" type="datetimeFigureOut">
               <a:rPr lang="en-US" smtClean="0"/>
-              <a:t>1/11/2026</a:t>
+              <a:t>1/12/2026</a:t>
             </a:fld>
             <a:endParaRPr lang="en-US"/>
           </a:p>
@@ -2498,7 +2503,7 @@
           <a:p>
             <a:fld id="{CDA1AACE-6781-4857-9368-73E9AA196DB5}" type="datetimeFigureOut">
               <a:rPr lang="en-US" smtClean="0"/>
-              <a:t>1/11/2026</a:t>
+              <a:t>1/12/2026</a:t>
             </a:fld>
             <a:endParaRPr lang="en-US"/>
           </a:p>
@@ -2773,7 +2778,7 @@
           <a:p>
             <a:fld id="{CDA1AACE-6781-4857-9368-73E9AA196DB5}" type="datetimeFigureOut">
               <a:rPr lang="en-US" smtClean="0"/>
-              <a:t>1/11/2026</a:t>
+              <a:t>1/12/2026</a:t>
             </a:fld>
             <a:endParaRPr lang="en-US"/>
           </a:p>
@@ -3038,7 +3043,7 @@
           <a:p>
             <a:fld id="{CDA1AACE-6781-4857-9368-73E9AA196DB5}" type="datetimeFigureOut">
               <a:rPr lang="en-US" smtClean="0"/>
-              <a:t>1/11/2026</a:t>
+              <a:t>1/12/2026</a:t>
             </a:fld>
             <a:endParaRPr lang="en-US"/>
           </a:p>
@@ -3450,7 +3455,7 @@
           <a:p>
             <a:fld id="{CDA1AACE-6781-4857-9368-73E9AA196DB5}" type="datetimeFigureOut">
               <a:rPr lang="en-US" smtClean="0"/>
-              <a:t>1/11/2026</a:t>
+              <a:t>1/12/2026</a:t>
             </a:fld>
             <a:endParaRPr lang="en-US"/>
           </a:p>
@@ -3591,7 +3596,7 @@
           <a:p>
             <a:fld id="{CDA1AACE-6781-4857-9368-73E9AA196DB5}" type="datetimeFigureOut">
               <a:rPr lang="en-US" smtClean="0"/>
-              <a:t>1/11/2026</a:t>
+              <a:t>1/12/2026</a:t>
             </a:fld>
             <a:endParaRPr lang="en-US"/>
           </a:p>
@@ -3704,7 +3709,7 @@
           <a:p>
             <a:fld id="{CDA1AACE-6781-4857-9368-73E9AA196DB5}" type="datetimeFigureOut">
               <a:rPr lang="en-US" smtClean="0"/>
-              <a:t>1/11/2026</a:t>
+              <a:t>1/12/2026</a:t>
             </a:fld>
             <a:endParaRPr lang="en-US"/>
           </a:p>
@@ -4015,7 +4020,7 @@
           <a:p>
             <a:fld id="{CDA1AACE-6781-4857-9368-73E9AA196DB5}" type="datetimeFigureOut">
               <a:rPr lang="en-US" smtClean="0"/>
-              <a:t>1/11/2026</a:t>
+              <a:t>1/12/2026</a:t>
             </a:fld>
             <a:endParaRPr lang="en-US"/>
           </a:p>
@@ -4303,7 +4308,7 @@
           <a:p>
             <a:fld id="{CDA1AACE-6781-4857-9368-73E9AA196DB5}" type="datetimeFigureOut">
               <a:rPr lang="en-US" smtClean="0"/>
-              <a:t>1/11/2026</a:t>
+              <a:t>1/12/2026</a:t>
             </a:fld>
             <a:endParaRPr lang="en-US"/>
           </a:p>
@@ -4544,7 +4549,7 @@
           <a:p>
             <a:fld id="{CDA1AACE-6781-4857-9368-73E9AA196DB5}" type="datetimeFigureOut">
               <a:rPr lang="en-US" smtClean="0"/>
-              <a:t>1/11/2026</a:t>
+              <a:t>1/12/2026</a:t>
             </a:fld>
             <a:endParaRPr lang="en-US"/>
           </a:p>
@@ -6243,7 +6248,7 @@
         <p:spPr>
           <a:xfrm>
             <a:off x="517586" y="3279505"/>
-            <a:ext cx="5446336" cy="738664"/>
+            <a:ext cx="5446336" cy="707886"/>
           </a:xfrm>
           <a:prstGeom prst="rect">
             <a:avLst/>
@@ -6274,7 +6279,7 @@
               <a:defRPr/>
             </a:pPr>
             <a:r>
-              <a:rPr kumimoji="0" lang="en-US" sz="1600" b="1" i="0" u="none" strike="noStrike" kern="1200" cap="none" spc="0" normalizeH="0" baseline="0" noProof="0" dirty="0">
+              <a:rPr kumimoji="0" lang="en-US" sz="1400" b="1" i="0" u="none" strike="noStrike" kern="1200" cap="none" spc="0" normalizeH="0" baseline="0" noProof="0" dirty="0">
                 <a:ln>
                   <a:noFill/>
                 </a:ln>
@@ -6290,7 +6295,7 @@
               </a:rPr>
               <a:t>Vinyl dominates physical sales, while CDs remain steady.</a:t>
             </a:r>
-            <a:endParaRPr kumimoji="0" lang="en-US" sz="1400" b="0" i="0" u="none" strike="noStrike" kern="1200" cap="none" spc="0" normalizeH="0" baseline="0" noProof="0" dirty="0">
+            <a:endParaRPr kumimoji="0" lang="en-US" sz="1200" b="0" i="0" u="none" strike="noStrike" kern="1200" cap="none" spc="0" normalizeH="0" baseline="0" noProof="0" dirty="0">
               <a:ln>
                 <a:noFill/>
               </a:ln>
@@ -6306,7 +6311,7 @@
             </a:endParaRPr>
           </a:p>
           <a:p>
-            <a:pPr marL="285750" indent="-285750">
+            <a:pPr marL="742950" lvl="1" indent="-285750">
               <a:buFont typeface="Arial" panose="020B0604020202020204" pitchFamily="34" charset="0"/>
               <a:buChar char="•"/>
               <a:defRPr/>
@@ -6364,7 +6369,7 @@
             </a:r>
           </a:p>
           <a:p>
-            <a:pPr marL="285750" indent="-285750">
+            <a:pPr marL="742950" lvl="1" indent="-285750">
               <a:buFont typeface="Arial" panose="020B0604020202020204" pitchFamily="34" charset="0"/>
               <a:buChar char="•"/>
               <a:defRPr/>
